--- a/MeetingMinutes/SimianArmy_RelatedFiles/initialization_command.pptx
+++ b/MeetingMinutes/SimianArmy_RelatedFiles/initialization_command.pptx
@@ -5634,8 +5634,8 @@
         </p:blipFill>
         <p:spPr>
           <a:xfrm>
-            <a:off x="2430417" y="1077948"/>
-            <a:ext cx="4854804" cy="3585268"/>
+            <a:off x="2432132" y="1077948"/>
+            <a:ext cx="4851375" cy="3585268"/>
           </a:xfrm>
           <a:prstGeom prst="rect">
             <a:avLst/>
@@ -5810,13 +5810,6 @@
               </a:rPr>
               <a:t>Receiver (Monkey) with an action (run) ?</a:t>
             </a:r>
-            <a:endParaRPr lang="en-US" altLang="zh-TW" dirty="0" smtClean="0">
-              <a:solidFill>
-                <a:srgbClr val="000000"/>
-              </a:solidFill>
-              <a:latin typeface="Calibri" panose="020F0502020204030204" pitchFamily="34" charset="0"/>
-              <a:cs typeface="Calibri" panose="020F0502020204030204" pitchFamily="34" charset="0"/>
-            </a:endParaRPr>
           </a:p>
           <a:p>
             <a:pPr marL="285750" indent="-285750">
@@ -5949,8 +5942,8 @@
         </p:blipFill>
         <p:spPr>
           <a:xfrm>
-            <a:off x="1583740" y="1139253"/>
-            <a:ext cx="6120275" cy="3419340"/>
+            <a:off x="1590282" y="1139253"/>
+            <a:ext cx="6107190" cy="3419340"/>
           </a:xfrm>
           <a:prstGeom prst="rect">
             <a:avLst/>

--- a/MeetingMinutes/SimianArmy_RelatedFiles/initialization_command.pptx
+++ b/MeetingMinutes/SimianArmy_RelatedFiles/initialization_command.pptx
@@ -5942,8 +5942,8 @@
         </p:blipFill>
         <p:spPr>
           <a:xfrm>
-            <a:off x="1590282" y="1139253"/>
-            <a:ext cx="6107190" cy="3419340"/>
+            <a:off x="1583740" y="1141397"/>
+            <a:ext cx="6120275" cy="3415051"/>
           </a:xfrm>
           <a:prstGeom prst="rect">
             <a:avLst/>

--- a/MeetingMinutes/SimianArmy_RelatedFiles/initialization_command.pptx
+++ b/MeetingMinutes/SimianArmy_RelatedFiles/initialization_command.pptx
@@ -9,7 +9,7 @@
   </p:notesMasterIdLst>
   <p:sldIdLst>
     <p:sldId id="256" r:id="rId2"/>
-    <p:sldId id="299" r:id="rId3"/>
+    <p:sldId id="311" r:id="rId3"/>
     <p:sldId id="305" r:id="rId4"/>
     <p:sldId id="310" r:id="rId5"/>
     <p:sldId id="306" r:id="rId6"/>
@@ -680,7 +680,7 @@
     </p:spTree>
     <p:extLst>
       <p:ext uri="{BB962C8B-B14F-4D97-AF65-F5344CB8AC3E}">
-        <p14:creationId xmlns:p14="http://schemas.microsoft.com/office/powerpoint/2010/main" val="382946947"/>
+        <p14:creationId xmlns:p14="http://schemas.microsoft.com/office/powerpoint/2010/main" val="3041019987"/>
       </p:ext>
     </p:extLst>
   </p:cSld>
@@ -5264,8 +5264,8 @@
           <a:p>
             <a:pPr lvl="0"/>
             <a:r>
-              <a:rPr lang="en-US" dirty="0" smtClean="0"/>
-              <a:t>Initialization</a:t>
+              <a:rPr lang="en-US" altLang="zh-TW" dirty="0" smtClean="0"/>
+              <a:t>Sequence Diagram</a:t>
             </a:r>
             <a:endParaRPr lang="en" baseline="-25000" dirty="0"/>
           </a:p>
@@ -5300,222 +5300,40 @@
           </a:p>
         </p:txBody>
       </p:sp>
-      <p:sp>
-        <p:nvSpPr>
-          <p:cNvPr id="7" name="Shape 73"/>
-          <p:cNvSpPr txBox="1">
-            <a:spLocks noGrp="1"/>
-          </p:cNvSpPr>
-          <p:nvPr>
-            <p:ph type="body" idx="1"/>
-          </p:nvPr>
-        </p:nvSpPr>
+      <p:pic>
+        <p:nvPicPr>
+          <p:cNvPr id="4" name="Picture 3"/>
+          <p:cNvPicPr>
+            <a:picLocks noChangeAspect="1"/>
+          </p:cNvPicPr>
+          <p:nvPr/>
+        </p:nvPicPr>
+        <p:blipFill>
+          <a:blip r:embed="rId3">
+            <a:extLst>
+              <a:ext uri="{28A0092B-C50C-407E-A947-70E740481C1C}">
+                <a14:useLocalDpi xmlns:a14="http://schemas.microsoft.com/office/drawing/2010/main" val="0"/>
+              </a:ext>
+            </a:extLst>
+          </a:blip>
+          <a:stretch>
+            <a:fillRect/>
+          </a:stretch>
+        </p:blipFill>
         <p:spPr>
           <a:xfrm>
-            <a:off x="367118" y="920494"/>
-            <a:ext cx="8537039" cy="4103544"/>
+            <a:off x="1588957" y="1199259"/>
+            <a:ext cx="6258393" cy="3359025"/>
           </a:xfrm>
           <a:prstGeom prst="rect">
             <a:avLst/>
           </a:prstGeom>
         </p:spPr>
-        <p:txBody>
-          <a:bodyPr lIns="91425" tIns="91425" rIns="91425" bIns="91425" anchor="t" anchorCtr="0">
-            <a:noAutofit/>
-          </a:bodyPr>
-          <a:lstStyle/>
-          <a:p>
-            <a:pPr marL="342900" indent="-342900">
-              <a:buFont typeface="+mj-lt"/>
-              <a:buAutoNum type="arabicPeriod"/>
-            </a:pPr>
-            <a:r>
-              <a:rPr lang="en-US" altLang="zh-TW" dirty="0" err="1" smtClean="0">
-                <a:solidFill>
-                  <a:schemeClr val="bg2">
-                    <a:lumMod val="50000"/>
-                  </a:schemeClr>
-                </a:solidFill>
-                <a:latin typeface="Calibri" panose="020F0502020204030204" pitchFamily="34" charset="0"/>
-                <a:cs typeface="Calibri" panose="020F0502020204030204" pitchFamily="34" charset="0"/>
-              </a:rPr>
-              <a:t>BasicMonkeyServer</a:t>
-            </a:r>
-            <a:r>
-              <a:rPr lang="en-US" altLang="zh-TW" dirty="0" smtClean="0">
-                <a:solidFill>
-                  <a:srgbClr val="000000"/>
-                </a:solidFill>
-                <a:latin typeface="Calibri" panose="020F0502020204030204" pitchFamily="34" charset="0"/>
-                <a:cs typeface="Calibri" panose="020F0502020204030204" pitchFamily="34" charset="0"/>
-              </a:rPr>
-              <a:t> loads configuration from a JAVA Property file</a:t>
-            </a:r>
-          </a:p>
-          <a:p>
-            <a:pPr marL="342900" indent="-342900">
-              <a:buFont typeface="+mj-lt"/>
-              <a:buAutoNum type="arabicPeriod"/>
-            </a:pPr>
-            <a:r>
-              <a:rPr lang="en-US" altLang="zh-TW" dirty="0" err="1" smtClean="0">
-                <a:solidFill>
-                  <a:srgbClr val="000000"/>
-                </a:solidFill>
-                <a:latin typeface="Calibri" panose="020F0502020204030204" pitchFamily="34" charset="0"/>
-                <a:cs typeface="Calibri" panose="020F0502020204030204" pitchFamily="34" charset="0"/>
-              </a:rPr>
-              <a:t>BasicMonkeyServer</a:t>
-            </a:r>
-            <a:r>
-              <a:rPr lang="en-US" altLang="zh-TW" dirty="0" smtClean="0">
-                <a:solidFill>
-                  <a:srgbClr val="000000"/>
-                </a:solidFill>
-                <a:latin typeface="Calibri" panose="020F0502020204030204" pitchFamily="34" charset="0"/>
-                <a:cs typeface="Calibri" panose="020F0502020204030204" pitchFamily="34" charset="0"/>
-              </a:rPr>
-              <a:t> calls start() of </a:t>
-            </a:r>
-            <a:r>
-              <a:rPr lang="en-US" altLang="zh-TW" dirty="0" err="1" smtClean="0">
-                <a:solidFill>
-                  <a:srgbClr val="000000"/>
-                </a:solidFill>
-                <a:latin typeface="Calibri" panose="020F0502020204030204" pitchFamily="34" charset="0"/>
-                <a:cs typeface="Calibri" panose="020F0502020204030204" pitchFamily="34" charset="0"/>
-              </a:rPr>
-              <a:t>MonkeyRunner</a:t>
-            </a:r>
-            <a:endParaRPr lang="en-US" altLang="zh-TW" dirty="0" smtClean="0">
-              <a:solidFill>
-                <a:srgbClr val="000000"/>
-              </a:solidFill>
-              <a:latin typeface="Calibri" panose="020F0502020204030204" pitchFamily="34" charset="0"/>
-              <a:cs typeface="Calibri" panose="020F0502020204030204" pitchFamily="34" charset="0"/>
-            </a:endParaRPr>
-          </a:p>
-          <a:p>
-            <a:pPr marL="342900" indent="-342900">
-              <a:buFont typeface="+mj-lt"/>
-              <a:buAutoNum type="arabicPeriod"/>
-            </a:pPr>
-            <a:r>
-              <a:rPr lang="en-US" altLang="zh-TW" dirty="0" err="1" smtClean="0">
-                <a:solidFill>
-                  <a:srgbClr val="000000"/>
-                </a:solidFill>
-                <a:latin typeface="Calibri" panose="020F0502020204030204" pitchFamily="34" charset="0"/>
-                <a:cs typeface="Calibri" panose="020F0502020204030204" pitchFamily="34" charset="0"/>
-              </a:rPr>
-              <a:t>MonkeyRunner</a:t>
-            </a:r>
-            <a:r>
-              <a:rPr lang="en-US" altLang="zh-TW" dirty="0" smtClean="0">
-                <a:solidFill>
-                  <a:srgbClr val="000000"/>
-                </a:solidFill>
-                <a:latin typeface="Calibri" panose="020F0502020204030204" pitchFamily="34" charset="0"/>
-                <a:cs typeface="Calibri" panose="020F0502020204030204" pitchFamily="34" charset="0"/>
-              </a:rPr>
-              <a:t> calls start() of each Monkey it aggregates</a:t>
-            </a:r>
-          </a:p>
-          <a:p>
-            <a:pPr marL="342900" indent="-342900">
-              <a:buFont typeface="+mj-lt"/>
-              <a:buAutoNum type="arabicPeriod"/>
-            </a:pPr>
-            <a:r>
-              <a:rPr lang="en-US" altLang="zh-TW" dirty="0" smtClean="0">
-                <a:solidFill>
-                  <a:srgbClr val="000000"/>
-                </a:solidFill>
-                <a:latin typeface="Calibri" panose="020F0502020204030204" pitchFamily="34" charset="0"/>
-                <a:cs typeface="Calibri" panose="020F0502020204030204" pitchFamily="34" charset="0"/>
-              </a:rPr>
-              <a:t>For each Monkey, it calls start(Monkey, Runnable) of its </a:t>
-            </a:r>
-            <a:r>
-              <a:rPr lang="en-US" altLang="zh-TW" dirty="0" err="1" smtClean="0">
-                <a:solidFill>
-                  <a:srgbClr val="000000"/>
-                </a:solidFill>
-                <a:latin typeface="Calibri" panose="020F0502020204030204" pitchFamily="34" charset="0"/>
-                <a:cs typeface="Calibri" panose="020F0502020204030204" pitchFamily="34" charset="0"/>
-              </a:rPr>
-              <a:t>MonkeyScheduler</a:t>
-            </a:r>
-            <a:endParaRPr lang="en-US" altLang="zh-TW" dirty="0" smtClean="0">
-              <a:solidFill>
-                <a:srgbClr val="000000"/>
-              </a:solidFill>
-              <a:latin typeface="Calibri" panose="020F0502020204030204" pitchFamily="34" charset="0"/>
-              <a:cs typeface="Calibri" panose="020F0502020204030204" pitchFamily="34" charset="0"/>
-            </a:endParaRPr>
-          </a:p>
-          <a:p>
-            <a:pPr marL="342900" indent="-342900">
-              <a:buFont typeface="+mj-lt"/>
-              <a:buAutoNum type="arabicPeriod"/>
-            </a:pPr>
-            <a:r>
-              <a:rPr lang="en-US" altLang="zh-TW" dirty="0" err="1" smtClean="0">
-                <a:solidFill>
-                  <a:srgbClr val="000000"/>
-                </a:solidFill>
-                <a:latin typeface="Calibri" panose="020F0502020204030204" pitchFamily="34" charset="0"/>
-                <a:cs typeface="Calibri" panose="020F0502020204030204" pitchFamily="34" charset="0"/>
-              </a:rPr>
-              <a:t>MonkeyScheduler</a:t>
-            </a:r>
-            <a:r>
-              <a:rPr lang="en-US" altLang="zh-TW" dirty="0" smtClean="0">
-                <a:solidFill>
-                  <a:srgbClr val="000000"/>
-                </a:solidFill>
-                <a:latin typeface="Calibri" panose="020F0502020204030204" pitchFamily="34" charset="0"/>
-                <a:cs typeface="Calibri" panose="020F0502020204030204" pitchFamily="34" charset="0"/>
-              </a:rPr>
-              <a:t> then delegates the real work to </a:t>
-            </a:r>
-            <a:r>
-              <a:rPr lang="en-US" altLang="zh-TW" dirty="0" err="1" smtClean="0">
-                <a:solidFill>
-                  <a:srgbClr val="000000"/>
-                </a:solidFill>
-                <a:latin typeface="Calibri" panose="020F0502020204030204" pitchFamily="34" charset="0"/>
-                <a:cs typeface="Calibri" panose="020F0502020204030204" pitchFamily="34" charset="0"/>
-              </a:rPr>
-              <a:t>ScheduledExecutedService</a:t>
-            </a:r>
-            <a:endParaRPr lang="en-US" altLang="zh-TW" dirty="0" smtClean="0">
-              <a:solidFill>
-                <a:srgbClr val="000000"/>
-              </a:solidFill>
-              <a:latin typeface="Calibri" panose="020F0502020204030204" pitchFamily="34" charset="0"/>
-              <a:cs typeface="Calibri" panose="020F0502020204030204" pitchFamily="34" charset="0"/>
-            </a:endParaRPr>
-          </a:p>
-          <a:p>
-            <a:pPr marL="342900" indent="-342900">
-              <a:buFont typeface="+mj-lt"/>
-              <a:buAutoNum type="arabicPeriod"/>
-            </a:pPr>
-            <a:endParaRPr lang="en-US" altLang="zh-TW" dirty="0">
-              <a:solidFill>
-                <a:srgbClr val="000000"/>
-              </a:solidFill>
-              <a:latin typeface="Calibri" panose="020F0502020204030204" pitchFamily="34" charset="0"/>
-              <a:cs typeface="Calibri" panose="020F0502020204030204" pitchFamily="34" charset="0"/>
-            </a:endParaRPr>
-          </a:p>
-        </p:txBody>
-      </p:sp>
+      </p:pic>
     </p:spTree>
     <p:extLst>
       <p:ext uri="{BB962C8B-B14F-4D97-AF65-F5344CB8AC3E}">
-        <p14:creationId xmlns:p14="http://schemas.microsoft.com/office/powerpoint/2010/main" val="1687139705"/>
+        <p14:creationId xmlns:p14="http://schemas.microsoft.com/office/powerpoint/2010/main" val="3690017131"/>
       </p:ext>
     </p:extLst>
   </p:cSld>
@@ -5942,8 +5760,8 @@
         </p:blipFill>
         <p:spPr>
           <a:xfrm>
-            <a:off x="1583740" y="1141397"/>
-            <a:ext cx="6120275" cy="3415051"/>
+            <a:off x="2413252" y="1141397"/>
+            <a:ext cx="4461250" cy="3415051"/>
           </a:xfrm>
           <a:prstGeom prst="rect">
             <a:avLst/>

--- a/MeetingMinutes/SimianArmy_RelatedFiles/initialization_command.pptx
+++ b/MeetingMinutes/SimianArmy_RelatedFiles/initialization_command.pptx
@@ -1115,8 +1115,25 @@
             </a:r>
             <a:r>
               <a:rPr lang="en-US" baseline="0" dirty="0" smtClean="0"/>
-              <a:t> to stop execution of threads</a:t>
+              <a:t> to stop execution of </a:t>
             </a:r>
+            <a:r>
+              <a:rPr lang="en-US" baseline="0" dirty="0" smtClean="0"/>
+              <a:t>threads</a:t>
+            </a:r>
+          </a:p>
+          <a:p>
+            <a:pPr lvl="0">
+              <a:spcBef>
+                <a:spcPts val="0"/>
+              </a:spcBef>
+              <a:buNone/>
+            </a:pPr>
+            <a:r>
+              <a:rPr lang="en-US" baseline="0" dirty="0" smtClean="0"/>
+              <a:t>Use ? -&gt; final modifier to access it </a:t>
+            </a:r>
+            <a:endParaRPr lang="en-US" baseline="0" dirty="0" smtClean="0"/>
           </a:p>
         </p:txBody>
       </p:sp>
